--- a/Poster.pptx
+++ b/Poster.pptx
@@ -3781,6 +3781,36 @@
       </p:grpSpPr>
       <p:pic>
         <p:nvPicPr>
+          <p:cNvPr id="3" name="Picture 2">
+            <a:extLst>
+              <a:ext uri="{FF2B5EF4-FFF2-40B4-BE49-F238E27FC236}">
+                <a16:creationId xmlns:a16="http://schemas.microsoft.com/office/drawing/2014/main" id="{4D0573FB-C23B-5249-B86A-42496E768D82}"/>
+              </a:ext>
+            </a:extLst>
+          </p:cNvPr>
+          <p:cNvPicPr>
+            <a:picLocks noChangeAspect="1"/>
+          </p:cNvPicPr>
+          <p:nvPr/>
+        </p:nvPicPr>
+        <p:blipFill>
+          <a:blip r:embed="rId3"/>
+          <a:stretch>
+            <a:fillRect/>
+          </a:stretch>
+        </p:blipFill>
+        <p:spPr>
+          <a:xfrm>
+            <a:off x="5160475" y="2695817"/>
+            <a:ext cx="6521452" cy="3860800"/>
+          </a:xfrm>
+          <a:prstGeom prst="rect">
+            <a:avLst/>
+          </a:prstGeom>
+        </p:spPr>
+      </p:pic>
+      <p:pic>
+        <p:nvPicPr>
           <p:cNvPr id="4" name="Picture 3" descr="A close up of a sign&#10;&#10;Description generated with high confidence">
             <a:extLst>
               <a:ext uri="{FF2B5EF4-FFF2-40B4-BE49-F238E27FC236}">
@@ -3792,7 +3822,7 @@
           <p:nvPr/>
         </p:nvPicPr>
         <p:blipFill>
-          <a:blip r:embed="rId3" cstate="print">
+          <a:blip r:embed="rId4" cstate="print">
             <a:extLst>
               <a:ext uri="{28A0092B-C50C-407E-A947-70E740481C1C}">
                 <a14:useLocalDpi xmlns:a14="http://schemas.microsoft.com/office/drawing/2010/main" val="0"/>
@@ -4155,36 +4185,6 @@
           </a:p>
         </p:txBody>
       </p:sp>
-      <p:pic>
-        <p:nvPicPr>
-          <p:cNvPr id="13" name="Picture 12">
-            <a:extLst>
-              <a:ext uri="{FF2B5EF4-FFF2-40B4-BE49-F238E27FC236}">
-                <a16:creationId xmlns:a16="http://schemas.microsoft.com/office/drawing/2014/main" id="{5BD11ABD-C2B1-7C46-8797-B2419FA8F04B}"/>
-              </a:ext>
-            </a:extLst>
-          </p:cNvPr>
-          <p:cNvPicPr>
-            <a:picLocks noChangeAspect="1"/>
-          </p:cNvPicPr>
-          <p:nvPr/>
-        </p:nvPicPr>
-        <p:blipFill>
-          <a:blip r:embed="rId4"/>
-          <a:stretch>
-            <a:fillRect/>
-          </a:stretch>
-        </p:blipFill>
-        <p:spPr>
-          <a:xfrm>
-            <a:off x="5091663" y="2575583"/>
-            <a:ext cx="6590263" cy="3990917"/>
-          </a:xfrm>
-          <a:prstGeom prst="rect">
-            <a:avLst/>
-          </a:prstGeom>
-        </p:spPr>
-      </p:pic>
       <p:sp>
         <p:nvSpPr>
           <p:cNvPr id="14" name="Snip Diagonal Corner Rectangle 13">
@@ -4263,7 +4263,7 @@
                 <a:ea typeface="Roboto" panose="02000000000000000000" pitchFamily="2" charset="0"/>
                 <a:cs typeface="Roboto" panose="02000000000000000000" pitchFamily="2" charset="0"/>
               </a:rPr>
-              <a:t>1. A maps section which will indicate to users participating businesses in the area. </a:t>
+              <a:t>1. A maps section which will indicate to users    </a:t>
             </a:r>
           </a:p>
           <a:p>
@@ -4276,7 +4276,7 @@
                 <a:ea typeface="Roboto" panose="02000000000000000000" pitchFamily="2" charset="0"/>
                 <a:cs typeface="Roboto" panose="02000000000000000000" pitchFamily="2" charset="0"/>
               </a:rPr>
-              <a:t>2. Allow customers to use their points to redeem rewards or discounts from stores. </a:t>
+              <a:t>     participating businesses in the area. </a:t>
             </a:r>
           </a:p>
           <a:p>
@@ -4289,7 +4289,46 @@
                 <a:ea typeface="Roboto" panose="02000000000000000000" pitchFamily="2" charset="0"/>
                 <a:cs typeface="Roboto" panose="02000000000000000000" pitchFamily="2" charset="0"/>
               </a:rPr>
-              <a:t>3. QR codes will be added as an alternative means to redeem points. </a:t>
+              <a:t>2. Allow customers to use their points to redeem rewards</a:t>
+            </a:r>
+          </a:p>
+          <a:p>
+            <a:r>
+              <a:rPr lang="en-US" sz="1050" dirty="0">
+                <a:solidFill>
+                  <a:schemeClr val="tx1"/>
+                </a:solidFill>
+                <a:latin typeface="Roboto" panose="02000000000000000000" pitchFamily="2" charset="0"/>
+                <a:ea typeface="Roboto" panose="02000000000000000000" pitchFamily="2" charset="0"/>
+                <a:cs typeface="Roboto" panose="02000000000000000000" pitchFamily="2" charset="0"/>
+              </a:rPr>
+              <a:t>     or discounts from stores. </a:t>
+            </a:r>
+          </a:p>
+          <a:p>
+            <a:r>
+              <a:rPr lang="en-US" sz="1050" dirty="0">
+                <a:solidFill>
+                  <a:schemeClr val="tx1"/>
+                </a:solidFill>
+                <a:latin typeface="Roboto" panose="02000000000000000000" pitchFamily="2" charset="0"/>
+                <a:ea typeface="Roboto" panose="02000000000000000000" pitchFamily="2" charset="0"/>
+                <a:cs typeface="Roboto" panose="02000000000000000000" pitchFamily="2" charset="0"/>
+              </a:rPr>
+              <a:t>3. QR codes will be added as an alternative means to</a:t>
+            </a:r>
+          </a:p>
+          <a:p>
+            <a:r>
+              <a:rPr lang="en-US" sz="1050" dirty="0">
+                <a:solidFill>
+                  <a:schemeClr val="tx1"/>
+                </a:solidFill>
+                <a:latin typeface="Roboto" panose="02000000000000000000" pitchFamily="2" charset="0"/>
+                <a:ea typeface="Roboto" panose="02000000000000000000" pitchFamily="2" charset="0"/>
+                <a:cs typeface="Roboto" panose="02000000000000000000" pitchFamily="2" charset="0"/>
+              </a:rPr>
+              <a:t>     redeem points. </a:t>
             </a:r>
           </a:p>
           <a:p>
@@ -4468,7 +4507,7 @@
         </p:nvSpPr>
         <p:spPr>
           <a:xfrm>
-            <a:off x="10933624" y="5140593"/>
+            <a:off x="10933624" y="4959533"/>
             <a:ext cx="631465" cy="1264500"/>
           </a:xfrm>
           <a:prstGeom prst="roundRect">
@@ -4517,10 +4556,10 @@
       </p:sp>
       <p:pic>
         <p:nvPicPr>
-          <p:cNvPr id="17" name="Picture 16">
-            <a:extLst>
-              <a:ext uri="{FF2B5EF4-FFF2-40B4-BE49-F238E27FC236}">
-                <a16:creationId xmlns:a16="http://schemas.microsoft.com/office/drawing/2014/main" id="{A7DE4E35-85B7-BF47-998A-1E1A6FF73073}"/>
+          <p:cNvPr id="18" name="Picture 17">
+            <a:extLst>
+              <a:ext uri="{FF2B5EF4-FFF2-40B4-BE49-F238E27FC236}">
+                <a16:creationId xmlns:a16="http://schemas.microsoft.com/office/drawing/2014/main" id="{87B8DD57-4423-644D-8928-9FB06CFE6411}"/>
               </a:ext>
             </a:extLst>
           </p:cNvPr>
@@ -4537,37 +4576,7 @@
         </p:blipFill>
         <p:spPr>
           <a:xfrm>
-            <a:off x="7430698" y="3661803"/>
-            <a:ext cx="1615152" cy="634524"/>
-          </a:xfrm>
-          <a:prstGeom prst="rect">
-            <a:avLst/>
-          </a:prstGeom>
-        </p:spPr>
-      </p:pic>
-      <p:pic>
-        <p:nvPicPr>
-          <p:cNvPr id="18" name="Picture 17">
-            <a:extLst>
-              <a:ext uri="{FF2B5EF4-FFF2-40B4-BE49-F238E27FC236}">
-                <a16:creationId xmlns:a16="http://schemas.microsoft.com/office/drawing/2014/main" id="{87B8DD57-4423-644D-8928-9FB06CFE6411}"/>
-              </a:ext>
-            </a:extLst>
-          </p:cNvPr>
-          <p:cNvPicPr>
-            <a:picLocks noChangeAspect="1"/>
-          </p:cNvPicPr>
-          <p:nvPr/>
-        </p:nvPicPr>
-        <p:blipFill>
-          <a:blip r:embed="rId6"/>
-          <a:stretch>
-            <a:fillRect/>
-          </a:stretch>
-        </p:blipFill>
-        <p:spPr>
-          <a:xfrm>
-            <a:off x="10498826" y="5088835"/>
+            <a:off x="10500165" y="4927745"/>
             <a:ext cx="1480274" cy="1376548"/>
           </a:xfrm>
           <a:prstGeom prst="rect">
@@ -4590,7 +4599,7 @@
           <p:nvPr>
             <p:extLst>
               <p:ext uri="{D42A27DB-BD31-4B8C-83A1-F6EECF244321}">
-                <p14:modId xmlns:p14="http://schemas.microsoft.com/office/powerpoint/2010/main" val="2911071605"/>
+                <p14:modId xmlns:p14="http://schemas.microsoft.com/office/powerpoint/2010/main" val="2385790754"/>
               </p:ext>
             </p:extLst>
           </p:nvPr>
@@ -4715,7 +4724,7 @@
                           <a:ea typeface="Roboto" panose="02000000000000000000" pitchFamily="2" charset="0"/>
                           <a:cs typeface="Roboto" panose="02000000000000000000" pitchFamily="2" charset="0"/>
                         </a:rPr>
-                        <a:t>1.POS/ External Device</a:t>
+                        <a:t>1.POS/ External  Device</a:t>
                       </a:r>
                     </a:p>
                   </a:txBody>
@@ -5628,7 +5637,7 @@
           <p:nvPr/>
         </p:nvPicPr>
         <p:blipFill>
-          <a:blip r:embed="rId7" cstate="print">
+          <a:blip r:embed="rId6" cstate="print">
             <a:extLst>
               <a:ext uri="{28A0092B-C50C-407E-A947-70E740481C1C}">
                 <a14:useLocalDpi xmlns:a14="http://schemas.microsoft.com/office/drawing/2010/main" val="0"/>
@@ -5662,7 +5671,7 @@
           <p:nvPr/>
         </p:nvPicPr>
         <p:blipFill>
-          <a:blip r:embed="rId7" cstate="print">
+          <a:blip r:embed="rId6" cstate="print">
             <a:extLst>
               <a:ext uri="{28A0092B-C50C-407E-A947-70E740481C1C}">
                 <a14:useLocalDpi xmlns:a14="http://schemas.microsoft.com/office/drawing/2010/main" val="0"/>
@@ -5675,7 +5684,7 @@
         </p:blipFill>
         <p:spPr>
           <a:xfrm>
-            <a:off x="11018105" y="5384438"/>
+            <a:off x="11018104" y="5182888"/>
             <a:ext cx="462501" cy="463162"/>
           </a:xfrm>
           <a:prstGeom prst="rect">
@@ -5869,6 +5878,61 @@
               <a:ea typeface="Roboto Medium" panose="02000000000000000000" pitchFamily="2" charset="0"/>
               <a:cs typeface="Roboto Medium" panose="02000000000000000000" pitchFamily="2" charset="0"/>
             </a:endParaRPr>
+          </a:p>
+        </p:txBody>
+      </p:sp>
+      <p:sp>
+        <p:nvSpPr>
+          <p:cNvPr id="8" name="Rectangle 7">
+            <a:extLst>
+              <a:ext uri="{FF2B5EF4-FFF2-40B4-BE49-F238E27FC236}">
+                <a16:creationId xmlns:a16="http://schemas.microsoft.com/office/drawing/2014/main" id="{0A983EC1-2774-BE44-924E-205A72676335}"/>
+              </a:ext>
+            </a:extLst>
+          </p:cNvPr>
+          <p:cNvSpPr/>
+          <p:nvPr/>
+        </p:nvSpPr>
+        <p:spPr>
+          <a:xfrm>
+            <a:off x="5056107" y="5646050"/>
+            <a:ext cx="813169" cy="565015"/>
+          </a:xfrm>
+          <a:prstGeom prst="rect">
+            <a:avLst/>
+          </a:prstGeom>
+          <a:solidFill>
+            <a:schemeClr val="bg1"/>
+          </a:solidFill>
+          <a:ln>
+            <a:solidFill>
+              <a:schemeClr val="tx1"/>
+            </a:solidFill>
+          </a:ln>
+        </p:spPr>
+        <p:style>
+          <a:lnRef idx="2">
+            <a:schemeClr val="accent6"/>
+          </a:lnRef>
+          <a:fillRef idx="1">
+            <a:schemeClr val="lt1"/>
+          </a:fillRef>
+          <a:effectRef idx="0">
+            <a:schemeClr val="accent6"/>
+          </a:effectRef>
+          <a:fontRef idx="minor">
+            <a:schemeClr val="dk1"/>
+          </a:fontRef>
+        </p:style>
+        <p:txBody>
+          <a:bodyPr rtlCol="0" anchor="ctr"/>
+          <a:lstStyle/>
+          <a:p>
+            <a:pPr algn="ctr"/>
+            <a:r>
+              <a:rPr lang="en-US" sz="1000" dirty="0"/>
+              <a:t>Business’s POS</a:t>
+            </a:r>
           </a:p>
         </p:txBody>
       </p:sp>
